--- a/OOPL Project Group-5.pptx
+++ b/OOPL Project Group-5.pptx
@@ -500,7 +500,7 @@
             <a:fld id="{B61BEF0D-F0BB-DE4B-95CE-6DB70DBA9567}" type="datetimeFigureOut">
               <a:rPr lang="en-US" dirty="0"/>
               <a:pPr/>
-              <a:t>11/14/2021</a:t>
+              <a:t>12/7/21</a:t>
             </a:fld>
             <a:endParaRPr lang="en-US" dirty="0"/>
           </a:p>
@@ -821,7 +821,7 @@
             <a:fld id="{B61BEF0D-F0BB-DE4B-95CE-6DB70DBA9567}" type="datetimeFigureOut">
               <a:rPr lang="en-US" dirty="0"/>
               <a:pPr/>
-              <a:t>11/14/2021</a:t>
+              <a:t>12/7/21</a:t>
             </a:fld>
             <a:endParaRPr lang="en-US" dirty="0"/>
           </a:p>
@@ -1070,7 +1070,7 @@
             <a:fld id="{B61BEF0D-F0BB-DE4B-95CE-6DB70DBA9567}" type="datetimeFigureOut">
               <a:rPr lang="en-US" dirty="0"/>
               <a:pPr/>
-              <a:t>11/14/2021</a:t>
+              <a:t>12/7/21</a:t>
             </a:fld>
             <a:endParaRPr lang="en-US" dirty="0"/>
           </a:p>
@@ -1410,7 +1410,7 @@
             <a:fld id="{B61BEF0D-F0BB-DE4B-95CE-6DB70DBA9567}" type="datetimeFigureOut">
               <a:rPr lang="en-US" dirty="0"/>
               <a:pPr/>
-              <a:t>11/14/2021</a:t>
+              <a:t>12/7/21</a:t>
             </a:fld>
             <a:endParaRPr lang="en-US" dirty="0"/>
           </a:p>
@@ -1758,7 +1758,7 @@
             <a:fld id="{B61BEF0D-F0BB-DE4B-95CE-6DB70DBA9567}" type="datetimeFigureOut">
               <a:rPr lang="en-US" dirty="0"/>
               <a:pPr/>
-              <a:t>11/14/2021</a:t>
+              <a:t>12/7/21</a:t>
             </a:fld>
             <a:endParaRPr lang="en-US" dirty="0"/>
           </a:p>
@@ -2133,7 +2133,7 @@
             <a:fld id="{B61BEF0D-F0BB-DE4B-95CE-6DB70DBA9567}" type="datetimeFigureOut">
               <a:rPr lang="en-US" dirty="0"/>
               <a:pPr/>
-              <a:t>11/14/2021</a:t>
+              <a:t>12/7/21</a:t>
             </a:fld>
             <a:endParaRPr lang="en-US" dirty="0"/>
           </a:p>
@@ -2604,7 +2604,7 @@
             <a:fld id="{B61BEF0D-F0BB-DE4B-95CE-6DB70DBA9567}" type="datetimeFigureOut">
               <a:rPr lang="en-US" dirty="0"/>
               <a:pPr/>
-              <a:t>11/14/2021</a:t>
+              <a:t>12/7/21</a:t>
             </a:fld>
             <a:endParaRPr lang="en-US" dirty="0"/>
           </a:p>
@@ -2809,7 +2809,7 @@
             <a:fld id="{B61BEF0D-F0BB-DE4B-95CE-6DB70DBA9567}" type="datetimeFigureOut">
               <a:rPr lang="en-US" dirty="0"/>
               <a:pPr/>
-              <a:t>11/14/2021</a:t>
+              <a:t>12/7/21</a:t>
             </a:fld>
             <a:endParaRPr lang="en-US" dirty="0"/>
           </a:p>
@@ -3020,7 +3020,7 @@
             <a:fld id="{B61BEF0D-F0BB-DE4B-95CE-6DB70DBA9567}" type="datetimeFigureOut">
               <a:rPr lang="en-US" dirty="0"/>
               <a:pPr/>
-              <a:t>11/14/2021</a:t>
+              <a:t>12/7/21</a:t>
             </a:fld>
             <a:endParaRPr lang="en-US" dirty="0"/>
           </a:p>
@@ -3251,7 +3251,7 @@
           <a:p>
             <a:fld id="{52647F38-B617-4D2F-AE0A-013F0C4D2C57}" type="datetimeFigureOut">
               <a:rPr lang="en-US" dirty="0"/>
-              <a:t>11/14/2021</a:t>
+              <a:t>12/7/21</a:t>
             </a:fld>
             <a:endParaRPr lang="en-US" dirty="0"/>
           </a:p>
@@ -3499,7 +3499,7 @@
             <a:fld id="{B61BEF0D-F0BB-DE4B-95CE-6DB70DBA9567}" type="datetimeFigureOut">
               <a:rPr lang="en-US" dirty="0"/>
               <a:pPr/>
-              <a:t>11/14/2021</a:t>
+              <a:t>12/7/21</a:t>
             </a:fld>
             <a:endParaRPr lang="en-US" dirty="0"/>
           </a:p>
@@ -3795,7 +3795,7 @@
           <a:p>
             <a:fld id="{05BFA754-D5C3-4E66-96A6-867B257F58DC}" type="datetimeFigureOut">
               <a:rPr lang="en-US" dirty="0"/>
-              <a:t>11/14/2021</a:t>
+              <a:t>12/7/21</a:t>
             </a:fld>
             <a:endParaRPr lang="en-US" dirty="0"/>
           </a:p>
@@ -4187,7 +4187,7 @@
             <a:fld id="{B61BEF0D-F0BB-DE4B-95CE-6DB70DBA9567}" type="datetimeFigureOut">
               <a:rPr lang="en-US" dirty="0"/>
               <a:pPr/>
-              <a:t>11/14/2021</a:t>
+              <a:t>12/7/21</a:t>
             </a:fld>
             <a:endParaRPr lang="en-US" dirty="0"/>
           </a:p>
@@ -4337,7 +4337,7 @@
             <a:fld id="{B61BEF0D-F0BB-DE4B-95CE-6DB70DBA9567}" type="datetimeFigureOut">
               <a:rPr lang="en-US" dirty="0"/>
               <a:pPr/>
-              <a:t>11/14/2021</a:t>
+              <a:t>12/7/21</a:t>
             </a:fld>
             <a:endParaRPr lang="en-US" dirty="0"/>
           </a:p>
@@ -4465,7 +4465,7 @@
             <a:fld id="{B61BEF0D-F0BB-DE4B-95CE-6DB70DBA9567}" type="datetimeFigureOut">
               <a:rPr lang="en-US" dirty="0"/>
               <a:pPr/>
-              <a:t>11/14/2021</a:t>
+              <a:t>12/7/21</a:t>
             </a:fld>
             <a:endParaRPr lang="en-US" dirty="0"/>
           </a:p>
@@ -4720,7 +4720,7 @@
             <a:fld id="{B61BEF0D-F0BB-DE4B-95CE-6DB70DBA9567}" type="datetimeFigureOut">
               <a:rPr lang="en-US" dirty="0"/>
               <a:pPr/>
-              <a:t>11/14/2021</a:t>
+              <a:t>12/7/21</a:t>
             </a:fld>
             <a:endParaRPr lang="en-US" dirty="0"/>
           </a:p>
@@ -5032,7 +5032,7 @@
             <a:fld id="{B61BEF0D-F0BB-DE4B-95CE-6DB70DBA9567}" type="datetimeFigureOut">
               <a:rPr lang="en-US" dirty="0"/>
               <a:pPr/>
-              <a:t>11/14/2021</a:t>
+              <a:t>12/7/21</a:t>
             </a:fld>
             <a:endParaRPr lang="en-US" dirty="0"/>
           </a:p>
@@ -5383,7 +5383,7 @@
             <a:fld id="{B61BEF0D-F0BB-DE4B-95CE-6DB70DBA9567}" type="datetimeFigureOut">
               <a:rPr lang="en-US" dirty="0"/>
               <a:pPr/>
-              <a:t>11/14/2021</a:t>
+              <a:t>12/7/21</a:t>
             </a:fld>
             <a:endParaRPr lang="en-US" dirty="0"/>
           </a:p>
@@ -6841,7 +6841,7 @@
               <a:t>                                                     </a:t>
             </a:r>
             <a:r>
-              <a:rPr lang="en-GB" sz="3600" u="sng"/>
+              <a:rPr lang="en-GB" sz="3600" u="sng" dirty="0"/>
               <a:t>Used Classes</a:t>
             </a:r>
           </a:p>
@@ -6855,14 +6855,7 @@
                 <a:ea typeface="+mn-lt"/>
                 <a:cs typeface="+mn-lt"/>
               </a:rPr>
-              <a:t> </a:t>
-            </a:r>
-            <a:r>
-              <a:rPr lang="en-US" sz="2400">
-                <a:ea typeface="+mn-lt"/>
-                <a:cs typeface="+mn-lt"/>
-              </a:rPr>
-              <a:t>Sepoy </a:t>
+              <a:t> Sepoy </a:t>
             </a:r>
             <a:r>
               <a:rPr lang="en-GB" sz="2400" dirty="0">
@@ -6872,7 +6865,7 @@
               <a:t>→</a:t>
             </a:r>
             <a:r>
-              <a:rPr lang="en-US" sz="2400">
+              <a:rPr lang="en-US" sz="2400" dirty="0">
                 <a:ea typeface="+mn-lt"/>
                 <a:cs typeface="+mn-lt"/>
               </a:rPr>
@@ -6886,27 +6879,27 @@
               <a:t>→</a:t>
             </a:r>
             <a:r>
-              <a:rPr lang="en-US" sz="2400">
+              <a:rPr lang="en-US" sz="2400" dirty="0">
                 <a:ea typeface="+mn-lt"/>
                 <a:cs typeface="+mn-lt"/>
               </a:rPr>
               <a:t> Major </a:t>
             </a:r>
             <a:r>
-              <a:rPr lang="en-GB" sz="2400">
+              <a:rPr lang="en-GB" sz="2400" dirty="0">
                 <a:ea typeface="+mn-lt"/>
                 <a:cs typeface="+mn-lt"/>
               </a:rPr>
               <a:t>→</a:t>
             </a:r>
             <a:r>
-              <a:rPr lang="en-US" sz="2400">
+              <a:rPr lang="en-US" sz="2400" dirty="0">
                 <a:ea typeface="+mn-lt"/>
                 <a:cs typeface="+mn-lt"/>
               </a:rPr>
               <a:t>Army General (Multi-level Inheritance)</a:t>
             </a:r>
-            <a:endParaRPr lang="en-GB" sz="2400">
+            <a:endParaRPr lang="en-GB" sz="2400" dirty="0">
               <a:latin typeface="Century Schoolbook"/>
             </a:endParaRPr>
           </a:p>
@@ -6920,14 +6913,7 @@
                 <a:ea typeface="+mn-lt"/>
                 <a:cs typeface="+mn-lt"/>
               </a:rPr>
-              <a:t> </a:t>
-            </a:r>
-            <a:r>
-              <a:rPr lang="en-US" sz="2400">
-                <a:ea typeface="+mn-lt"/>
-                <a:cs typeface="+mn-lt"/>
-              </a:rPr>
-              <a:t>Aircraftman </a:t>
+              <a:t> Aircraftman </a:t>
             </a:r>
             <a:r>
               <a:rPr lang="en-GB" sz="2400" dirty="0">
@@ -6937,7 +6923,7 @@
               <a:t>→</a:t>
             </a:r>
             <a:r>
-              <a:rPr lang="en-US" sz="2400">
+              <a:rPr lang="en-US" sz="2400" dirty="0">
                 <a:ea typeface="+mn-lt"/>
                 <a:cs typeface="+mn-lt"/>
               </a:rPr>
@@ -6951,7 +6937,7 @@
               <a:t>→</a:t>
             </a:r>
             <a:r>
-              <a:rPr lang="en-US" sz="2400">
+              <a:rPr lang="en-US" sz="2400" dirty="0">
                 <a:ea typeface="+mn-lt"/>
                 <a:cs typeface="+mn-lt"/>
               </a:rPr>
@@ -6965,13 +6951,13 @@
               <a:t>→</a:t>
             </a:r>
             <a:r>
-              <a:rPr lang="en-US" sz="2400">
+              <a:rPr lang="en-US" sz="2400" dirty="0">
                 <a:ea typeface="+mn-lt"/>
                 <a:cs typeface="+mn-lt"/>
               </a:rPr>
               <a:t> Air Chief Marshal (Multi-level Inheritance)</a:t>
             </a:r>
-            <a:endParaRPr lang="en-GB" sz="2400"/>
+            <a:endParaRPr lang="en-GB" sz="2400" dirty="0"/>
           </a:p>
           <a:p>
             <a:pPr>
@@ -6983,16 +6969,23 @@
                 <a:ea typeface="+mn-lt"/>
                 <a:cs typeface="+mn-lt"/>
               </a:rPr>
-              <a:t> </a:t>
-            </a:r>
-            <a:r>
-              <a:rPr lang="en-US" sz="2400">
-                <a:ea typeface="+mn-lt"/>
-                <a:cs typeface="+mn-lt"/>
-              </a:rPr>
-              <a:t>Chief of Defence Staff (CDS) which is friend class of Army General and Air Chief Marshal </a:t>
-            </a:r>
-            <a:endParaRPr lang="en-GB" sz="2400"/>
+              <a:t> Chief of </a:t>
+            </a:r>
+            <a:r>
+              <a:rPr lang="en-US" sz="2400" dirty="0" err="1">
+                <a:ea typeface="+mn-lt"/>
+                <a:cs typeface="+mn-lt"/>
+              </a:rPr>
+              <a:t>Defence</a:t>
+            </a:r>
+            <a:r>
+              <a:rPr lang="en-US" sz="2400" dirty="0">
+                <a:ea typeface="+mn-lt"/>
+                <a:cs typeface="+mn-lt"/>
+              </a:rPr>
+              <a:t> Staff (CDS) which is friend class of Army General and Air Chief Marshal </a:t>
+            </a:r>
+            <a:endParaRPr lang="en-GB" sz="2400" dirty="0"/>
           </a:p>
           <a:p>
             <a:pPr>
@@ -7007,11 +7000,18 @@
               <a:t> </a:t>
             </a:r>
             <a:r>
-              <a:rPr lang="en-US" sz="2400">
-                <a:ea typeface="+mn-lt"/>
-                <a:cs typeface="+mn-lt"/>
-              </a:rPr>
-              <a:t>section_army </a:t>
+              <a:rPr lang="en-US" sz="2400" dirty="0" err="1">
+                <a:ea typeface="+mn-lt"/>
+                <a:cs typeface="+mn-lt"/>
+              </a:rPr>
+              <a:t>section_army</a:t>
+            </a:r>
+            <a:r>
+              <a:rPr lang="en-US" sz="2400" dirty="0">
+                <a:ea typeface="+mn-lt"/>
+                <a:cs typeface="+mn-lt"/>
+              </a:rPr>
+              <a:t> </a:t>
             </a:r>
             <a:r>
               <a:rPr lang="en-GB" sz="2400" dirty="0">
@@ -7021,13 +7021,13 @@
               <a:t>→</a:t>
             </a:r>
             <a:r>
-              <a:rPr lang="en-US" sz="2400">
+              <a:rPr lang="en-US" sz="2400" dirty="0">
                 <a:ea typeface="+mn-lt"/>
                 <a:cs typeface="+mn-lt"/>
               </a:rPr>
               <a:t> stores the information related to one section of army like number of soldiers in an army section and number and types of different weapons</a:t>
             </a:r>
-            <a:endParaRPr lang="en-GB" sz="2400"/>
+            <a:endParaRPr lang="en-GB" sz="2400" dirty="0"/>
           </a:p>
           <a:p>
             <a:pPr>
@@ -7042,27 +7042,62 @@
               <a:t> </a:t>
             </a:r>
             <a:r>
-              <a:rPr lang="en-US" sz="2400">
-                <a:ea typeface="+mn-lt"/>
-                <a:cs typeface="+mn-lt"/>
-              </a:rPr>
-              <a:t>section_airforce </a:t>
-            </a:r>
-            <a:r>
-              <a:rPr lang="en-GB" sz="2400">
+              <a:rPr lang="en-US" sz="2400" dirty="0" err="1">
+                <a:ea typeface="+mn-lt"/>
+                <a:cs typeface="+mn-lt"/>
+              </a:rPr>
+              <a:t>section_airforce</a:t>
+            </a:r>
+            <a:r>
+              <a:rPr lang="en-US" sz="2400" dirty="0">
+                <a:ea typeface="+mn-lt"/>
+                <a:cs typeface="+mn-lt"/>
+              </a:rPr>
+              <a:t> </a:t>
+            </a:r>
+            <a:r>
+              <a:rPr lang="en-GB" sz="2400" dirty="0">
                 <a:ea typeface="+mn-lt"/>
                 <a:cs typeface="+mn-lt"/>
               </a:rPr>
               <a:t>→ </a:t>
             </a:r>
             <a:r>
-              <a:rPr lang="en-US" sz="2400">
-                <a:ea typeface="+mn-lt"/>
-                <a:cs typeface="+mn-lt"/>
-              </a:rPr>
-              <a:t>stores the information related to one section of army like number of soldiers in an army section and number and types of different weapons</a:t>
-            </a:r>
-            <a:endParaRPr lang="en-GB" sz="2400"/>
+              <a:rPr lang="en-US" sz="2400" dirty="0">
+                <a:ea typeface="+mn-lt"/>
+                <a:cs typeface="+mn-lt"/>
+              </a:rPr>
+              <a:t>stores the information related to one section of </a:t>
+            </a:r>
+            <a:r>
+              <a:rPr lang="en-US" sz="2400" dirty="0" err="1">
+                <a:ea typeface="+mn-lt"/>
+                <a:cs typeface="+mn-lt"/>
+              </a:rPr>
+              <a:t>airforce</a:t>
+            </a:r>
+            <a:r>
+              <a:rPr lang="en-US" sz="2400" dirty="0">
+                <a:ea typeface="+mn-lt"/>
+                <a:cs typeface="+mn-lt"/>
+              </a:rPr>
+              <a:t> like number of soldiers in an </a:t>
+            </a:r>
+            <a:r>
+              <a:rPr lang="en-US" sz="2400" dirty="0" err="1">
+                <a:ea typeface="+mn-lt"/>
+                <a:cs typeface="+mn-lt"/>
+              </a:rPr>
+              <a:t>airforce</a:t>
+            </a:r>
+            <a:r>
+              <a:rPr lang="en-US" sz="2400" dirty="0">
+                <a:ea typeface="+mn-lt"/>
+                <a:cs typeface="+mn-lt"/>
+              </a:rPr>
+              <a:t> section and number and types of different weapons</a:t>
+            </a:r>
+            <a:endParaRPr lang="en-GB" sz="2400" dirty="0"/>
           </a:p>
           <a:p>
             <a:pPr>
@@ -7074,14 +7109,7 @@
                 <a:ea typeface="+mn-lt"/>
                 <a:cs typeface="+mn-lt"/>
               </a:rPr>
-              <a:t> </a:t>
-            </a:r>
-            <a:r>
-              <a:rPr lang="de" sz="2400">
-                <a:ea typeface="+mn-lt"/>
-                <a:cs typeface="+mn-lt"/>
-              </a:rPr>
-              <a:t>War </a:t>
+              <a:t> War </a:t>
             </a:r>
             <a:r>
               <a:rPr lang="en-GB" sz="2400" dirty="0">
@@ -7091,13 +7119,13 @@
               <a:t>→</a:t>
             </a:r>
             <a:r>
-              <a:rPr lang="en-US" sz="2400">
+              <a:rPr lang="en-US" sz="2400" dirty="0">
                 <a:ea typeface="+mn-lt"/>
                 <a:cs typeface="+mn-lt"/>
               </a:rPr>
               <a:t> to stores the information related to war like start date, end date, casualties, etc.</a:t>
             </a:r>
-            <a:endParaRPr lang="en-GB"/>
+            <a:endParaRPr lang="en-GB" dirty="0"/>
           </a:p>
           <a:p>
             <a:pPr>
@@ -7112,7 +7140,7 @@
               <a:t> </a:t>
             </a:r>
             <a:r>
-              <a:rPr lang="en-US" sz="2400">
+              <a:rPr lang="en-US" sz="2400" dirty="0">
                 <a:ea typeface="+mn-lt"/>
                 <a:cs typeface="+mn-lt"/>
               </a:rPr>
@@ -7125,7 +7153,7 @@
               </a:rPr>
               <a:t> </a:t>
             </a:r>
-            <a:endParaRPr lang="en-GB"/>
+            <a:endParaRPr lang="en-GB" dirty="0"/>
           </a:p>
         </p:txBody>
       </p:sp>
@@ -9084,7 +9112,7 @@
               </a:rPr>
               <a:t> </a:t>
             </a:r>
-            <a:endParaRPr lang="en-GB"/>
+            <a:endParaRPr lang="en-GB" dirty="0"/>
           </a:p>
           <a:p>
             <a:pPr lvl="2"/>
@@ -9109,7 +9137,7 @@
               </a:rPr>
               <a:t> </a:t>
             </a:r>
-            <a:endParaRPr lang="en-GB" sz="2000"/>
+            <a:endParaRPr lang="en-GB" sz="2000" dirty="0"/>
           </a:p>
           <a:p>
             <a:pPr lvl="2"/>
@@ -9120,7 +9148,7 @@
               </a:rPr>
               <a:t>string name </a:t>
             </a:r>
-            <a:endParaRPr lang="en-GB" sz="2000"/>
+            <a:endParaRPr lang="en-GB" sz="2000" dirty="0"/>
           </a:p>
           <a:p>
             <a:pPr lvl="2"/>
@@ -9138,7 +9166,7 @@
               </a:rPr>
               <a:t>date_of_birth</a:t>
             </a:r>
-            <a:endParaRPr lang="en-GB" sz="2000"/>
+            <a:endParaRPr lang="en-GB" sz="2000" dirty="0"/>
           </a:p>
           <a:p>
             <a:pPr lvl="2"/>
@@ -9163,7 +9191,7 @@
               </a:rPr>
               <a:t> joining</a:t>
             </a:r>
-            <a:endParaRPr lang="en-GB" sz="2000"/>
+            <a:endParaRPr lang="en-GB" sz="2000" dirty="0"/>
           </a:p>
           <a:p>
             <a:pPr lvl="2"/>
@@ -9174,7 +9202,7 @@
               </a:rPr>
               <a:t>string password</a:t>
             </a:r>
-            <a:endParaRPr lang="en-GB" sz="2000"/>
+            <a:endParaRPr lang="en-GB" sz="2000" dirty="0"/>
           </a:p>
           <a:p>
             <a:pPr lvl="2"/>
@@ -9192,7 +9220,7 @@
               </a:rPr>
               <a:t>airman_section_id</a:t>
             </a:r>
-            <a:endParaRPr lang="en-GB" sz="2000"/>
+            <a:endParaRPr lang="en-GB" sz="2000" dirty="0"/>
           </a:p>
           <a:p>
             <a:pPr>
@@ -10338,7 +10366,15 @@
             </a:r>
             <a:r>
               <a:rPr lang="en-US" sz="2000" dirty="0"/>
-              <a:t> personnel). There are 6 sections considered in this project viz. sec1, sec2, sec3,…, sec6. sec1 to sec3 are in  squadron named sqa1 and sec4 to sec6 are in squadron named sqa2.  Lieutenant is the head of an army section. The various features of this class are as follows:-</a:t>
+              <a:t> personnel). There are 6 sections considered in this project viz. sec1, sec2, sec3,…, sec6. sec1 to sec3 are in  squadron named sqa1 and sec4 to sec6 are in squadron named sqa2.  Lieutenant is the head of an </a:t>
+            </a:r>
+            <a:r>
+              <a:rPr lang="en-US" sz="2000" dirty="0" err="1"/>
+              <a:t>airforce</a:t>
+            </a:r>
+            <a:r>
+              <a:rPr lang="en-US" sz="2000" dirty="0"/>
+              <a:t> section. The various features of this class are as follows:-</a:t>
             </a:r>
             <a:r>
               <a:rPr lang="en-US" sz="4900" dirty="0"/>
@@ -12134,7 +12170,7 @@
         <p:spPr>
           <a:xfrm>
             <a:off x="900023" y="856891"/>
-            <a:ext cx="10420709" cy="3539430"/>
+            <a:ext cx="10420709" cy="4062651"/>
           </a:xfrm>
           <a:prstGeom prst="rect">
             <a:avLst/>
@@ -12162,10 +12198,9 @@
               <a:rPr lang="en-GB" sz="3600" b="1" u="sng" dirty="0" err="1"/>
               <a:t>personnels</a:t>
             </a:r>
-            <a:r>
-              <a:rPr lang="en-GB" sz="3600" b="1" u="sng" dirty="0"/>
-              <a:t> </a:t>
-            </a:r>
+            <a:endParaRPr lang="en-GB" sz="3600" b="1" u="sng" dirty="0"/>
+          </a:p>
+          <a:p>
             <a:r>
               <a:rPr lang="en-GB" sz="3600" b="1" dirty="0"/>
               <a:t> </a:t>
@@ -12211,20 +12246,9 @@
               </a:rPr>
               <a:t>Change his current password</a:t>
             </a:r>
-            <a:endParaRPr lang="en-GB" dirty="0"/>
-          </a:p>
-          <a:p>
-            <a:pPr marL="742950" lvl="1" indent="-285750">
-              <a:buFont typeface="Arial"/>
-              <a:buChar char="•"/>
-            </a:pPr>
-            <a:r>
-              <a:rPr lang="en-US" sz="2000" dirty="0">
-                <a:ea typeface="+mn-lt"/>
-                <a:cs typeface="+mn-lt"/>
-              </a:rPr>
-              <a:t>View section wise weapon allocation</a:t>
-            </a:r>
+          </a:p>
+          <a:p>
+            <a:pPr lvl="1"/>
             <a:endParaRPr lang="en-GB" dirty="0"/>
           </a:p>
           <a:p>
@@ -13075,7 +13099,7 @@
         <p:spPr>
           <a:xfrm>
             <a:off x="1058174" y="900023"/>
-            <a:ext cx="9989388" cy="3508653"/>
+            <a:ext cx="9989388" cy="3785652"/>
           </a:xfrm>
           <a:prstGeom prst="rect">
             <a:avLst/>
@@ -13154,7 +13178,7 @@
               </a:rPr>
               <a:t> </a:t>
             </a:r>
-            <a:endParaRPr lang="en-US"/>
+            <a:endParaRPr lang="en-US" dirty="0"/>
           </a:p>
           <a:p>
             <a:pPr marL="742950" lvl="1" indent="-285750">
@@ -13168,7 +13192,7 @@
               </a:rPr>
               <a:t>He can login to his dashboard to view his profile</a:t>
             </a:r>
-            <a:endParaRPr lang="en-GB"/>
+            <a:endParaRPr lang="en-GB" dirty="0"/>
           </a:p>
           <a:p>
             <a:pPr marL="742950" lvl="1" indent="-285750">
@@ -13182,7 +13206,7 @@
               </a:rPr>
               <a:t>Change his password</a:t>
             </a:r>
-            <a:endParaRPr lang="en-GB"/>
+            <a:endParaRPr lang="en-GB" dirty="0"/>
           </a:p>
           <a:p>
             <a:pPr marL="742950" lvl="1" indent="-285750">
@@ -13196,7 +13220,7 @@
               </a:rPr>
               <a:t>View section wise weapon allocation</a:t>
             </a:r>
-            <a:endParaRPr lang="en-GB"/>
+            <a:endParaRPr lang="en-GB" dirty="0"/>
           </a:p>
           <a:p>
             <a:pPr marL="742950" lvl="1" indent="-285750">
@@ -13208,9 +13232,9 @@
                 <a:ea typeface="+mn-lt"/>
                 <a:cs typeface="+mn-lt"/>
               </a:rPr>
-              <a:t>He can add/modify/delete the record of any one of sepoy/lieutenant/major</a:t>
-            </a:r>
-            <a:endParaRPr lang="en-GB"/>
+              <a:t>He can add/modify/delete the record of any one of aircraftman/flight lieutenant/squadron leader</a:t>
+            </a:r>
+            <a:endParaRPr lang="en-GB" dirty="0"/>
           </a:p>
           <a:p>
             <a:pPr marL="742950" lvl="1" indent="-285750">
@@ -13224,7 +13248,7 @@
               </a:rPr>
               <a:t>He can view and add war details</a:t>
             </a:r>
-            <a:endParaRPr lang="en-GB"/>
+            <a:endParaRPr lang="en-GB" dirty="0"/>
           </a:p>
           <a:p>
             <a:pPr marL="742950" lvl="1" indent="-285750">
@@ -13238,7 +13262,7 @@
               </a:rPr>
               <a:t>Can’t view the details the army officers</a:t>
             </a:r>
-            <a:endParaRPr lang="en-GB"/>
+            <a:endParaRPr lang="en-GB" dirty="0"/>
           </a:p>
           <a:p>
             <a:pPr algn="l"/>
@@ -18137,7 +18161,7 @@
               </a:rPr>
               <a:t> personnel while also streamlining the information access privileges. </a:t>
             </a:r>
-            <a:endParaRPr lang="en-GB" sz="2400"/>
+            <a:endParaRPr lang="en-GB" sz="2400" dirty="0"/>
           </a:p>
         </p:txBody>
       </p:sp>
